--- a/week-7/thomason-presentation-7.2.pptx
+++ b/week-7/thomason-presentation-7.2.pptx
@@ -11,7 +11,7 @@
     <p:sldId id="260" r:id="rId5"/>
     <p:sldId id="263" r:id="rId6"/>
     <p:sldId id="264" r:id="rId7"/>
-    <p:sldId id="265" r:id="rId8"/>
+    <p:sldId id="269" r:id="rId8"/>
     <p:sldId id="266" r:id="rId9"/>
     <p:sldId id="267" r:id="rId10"/>
     <p:sldId id="268" r:id="rId11"/>
@@ -180,7 +180,7 @@
           </a:lstStyle>
           <a:p>
             <a:r>
-              <a:rPr lang="en-US" smtClean="0"/>
+              <a:rPr lang="en-US"/>
               <a:t>Click to edit Master title style</a:t>
             </a:r>
             <a:endParaRPr lang="en-US" dirty="0"/>
@@ -310,7 +310,7 @@
           </a:lstStyle>
           <a:p>
             <a:r>
-              <a:rPr lang="en-US" smtClean="0"/>
+              <a:rPr lang="en-US"/>
               <a:t>Click to edit Master subtitle style</a:t>
             </a:r>
             <a:endParaRPr lang="en-US" dirty="0"/>
@@ -335,7 +335,7 @@
             <a:fld id="{B61BEF0D-F0BB-DE4B-95CE-6DB70DBA9567}" type="datetimeFigureOut">
               <a:rPr lang="en-US" dirty="0"/>
               <a:pPr/>
-              <a:t>6/13/2019</a:t>
+              <a:t>6/16/2019</a:t>
             </a:fld>
             <a:endParaRPr lang="en-US" dirty="0"/>
           </a:p>
@@ -436,7 +436,7 @@
           </a:lstStyle>
           <a:p>
             <a:r>
-              <a:rPr lang="en-US" smtClean="0"/>
+              <a:rPr lang="en-US"/>
               <a:t>Click to edit Master title style</a:t>
             </a:r>
             <a:endParaRPr lang="en-US" dirty="0"/>
@@ -531,7 +531,7 @@
           </a:lstStyle>
           <a:p>
             <a:r>
-              <a:rPr lang="en-US" smtClean="0"/>
+              <a:rPr lang="en-US"/>
               <a:t>Click icon to add picture</a:t>
             </a:r>
             <a:endParaRPr lang="en-US" dirty="0"/>
@@ -599,7 +599,7 @@
           <a:p>
             <a:pPr lvl="0"/>
             <a:r>
-              <a:rPr lang="en-US" smtClean="0"/>
+              <a:rPr lang="en-US"/>
               <a:t>Edit Master text styles</a:t>
             </a:r>
           </a:p>
@@ -623,7 +623,7 @@
             <a:fld id="{B61BEF0D-F0BB-DE4B-95CE-6DB70DBA9567}" type="datetimeFigureOut">
               <a:rPr lang="en-US" dirty="0"/>
               <a:pPr/>
-              <a:t>6/13/2019</a:t>
+              <a:t>6/16/2019</a:t>
             </a:fld>
             <a:endParaRPr lang="en-US" dirty="0"/>
           </a:p>
@@ -724,7 +724,7 @@
           </a:lstStyle>
           <a:p>
             <a:r>
-              <a:rPr lang="en-US" smtClean="0"/>
+              <a:rPr lang="en-US"/>
               <a:t>Click to edit Master title style</a:t>
             </a:r>
             <a:endParaRPr lang="en-US" dirty="0"/>
@@ -855,7 +855,7 @@
           <a:p>
             <a:pPr lvl="0"/>
             <a:r>
-              <a:rPr lang="en-US" smtClean="0"/>
+              <a:rPr lang="en-US"/>
               <a:t>Edit Master text styles</a:t>
             </a:r>
           </a:p>
@@ -879,7 +879,7 @@
             <a:fld id="{B61BEF0D-F0BB-DE4B-95CE-6DB70DBA9567}" type="datetimeFigureOut">
               <a:rPr lang="en-US" dirty="0"/>
               <a:pPr/>
-              <a:t>6/13/2019</a:t>
+              <a:t>6/16/2019</a:t>
             </a:fld>
             <a:endParaRPr lang="en-US" dirty="0"/>
           </a:p>
@@ -1214,7 +1214,7 @@
           </a:lstStyle>
           <a:p>
             <a:r>
-              <a:rPr lang="en-US" smtClean="0"/>
+              <a:rPr lang="en-US"/>
               <a:t>Click to edit Master title style</a:t>
             </a:r>
             <a:endParaRPr lang="en-US" dirty="0"/>
@@ -1269,7 +1269,7 @@
           <a:p>
             <a:pPr lvl="0"/>
             <a:r>
-              <a:rPr lang="en-US" smtClean="0"/>
+              <a:rPr lang="en-US"/>
               <a:t>Edit Master text styles</a:t>
             </a:r>
           </a:p>
@@ -1321,7 +1321,7 @@
               <a:buNone/>
             </a:pPr>
             <a:r>
-              <a:rPr lang="en-US" smtClean="0"/>
+              <a:rPr lang="en-US"/>
               <a:t>Edit Master text styles</a:t>
             </a:r>
           </a:p>
@@ -1345,7 +1345,7 @@
             <a:fld id="{B61BEF0D-F0BB-DE4B-95CE-6DB70DBA9567}" type="datetimeFigureOut">
               <a:rPr lang="en-US" dirty="0"/>
               <a:pPr/>
-              <a:t>6/13/2019</a:t>
+              <a:t>6/16/2019</a:t>
             </a:fld>
             <a:endParaRPr lang="en-US" dirty="0"/>
           </a:p>
@@ -1446,7 +1446,7 @@
           </a:lstStyle>
           <a:p>
             <a:r>
-              <a:rPr lang="en-US" smtClean="0"/>
+              <a:rPr lang="en-US"/>
               <a:t>Click to edit Master title style</a:t>
             </a:r>
             <a:endParaRPr lang="en-US" dirty="0"/>
@@ -1498,7 +1498,7 @@
               <a:buNone/>
             </a:pPr>
             <a:r>
-              <a:rPr lang="en-US" smtClean="0"/>
+              <a:rPr lang="en-US"/>
               <a:t>Edit Master text styles</a:t>
             </a:r>
           </a:p>
@@ -1522,7 +1522,7 @@
             <a:fld id="{B61BEF0D-F0BB-DE4B-95CE-6DB70DBA9567}" type="datetimeFigureOut">
               <a:rPr lang="en-US" dirty="0"/>
               <a:pPr/>
-              <a:t>6/13/2019</a:t>
+              <a:t>6/16/2019</a:t>
             </a:fld>
             <a:endParaRPr lang="en-US" dirty="0"/>
           </a:p>
@@ -1868,7 +1868,7 @@
           </a:lstStyle>
           <a:p>
             <a:r>
-              <a:rPr lang="en-US" smtClean="0"/>
+              <a:rPr lang="en-US"/>
               <a:t>Click to edit Master title style</a:t>
             </a:r>
             <a:endParaRPr lang="en-US" dirty="0"/>
@@ -1941,7 +1941,7 @@
               <a:buNone/>
             </a:pPr>
             <a:r>
-              <a:rPr lang="en-US" smtClean="0"/>
+              <a:rPr lang="en-US"/>
               <a:t>Edit Master text styles</a:t>
             </a:r>
           </a:p>
@@ -2071,7 +2071,7 @@
           <a:p>
             <a:pPr lvl="0"/>
             <a:r>
-              <a:rPr lang="en-US" smtClean="0"/>
+              <a:rPr lang="en-US"/>
               <a:t>Edit Master text styles</a:t>
             </a:r>
           </a:p>
@@ -2095,7 +2095,7 @@
             <a:fld id="{B61BEF0D-F0BB-DE4B-95CE-6DB70DBA9567}" type="datetimeFigureOut">
               <a:rPr lang="en-US" dirty="0"/>
               <a:pPr/>
-              <a:t>6/13/2019</a:t>
+              <a:t>6/16/2019</a:t>
             </a:fld>
             <a:endParaRPr lang="en-US" dirty="0"/>
           </a:p>
@@ -2197,7 +2197,7 @@
           <a:p>
             <a:pPr marL="0" lvl="0"/>
             <a:r>
-              <a:rPr lang="en-US" smtClean="0"/>
+              <a:rPr lang="en-US"/>
               <a:t>Click to edit Master title style</a:t>
             </a:r>
             <a:endParaRPr lang="en-US" dirty="0"/>
@@ -2270,7 +2270,7 @@
               <a:buNone/>
             </a:pPr>
             <a:r>
-              <a:rPr lang="en-US" smtClean="0"/>
+              <a:rPr lang="en-US"/>
               <a:t>Edit Master text styles</a:t>
             </a:r>
           </a:p>
@@ -2400,7 +2400,7 @@
           <a:p>
             <a:pPr lvl="0"/>
             <a:r>
-              <a:rPr lang="en-US" smtClean="0"/>
+              <a:rPr lang="en-US"/>
               <a:t>Edit Master text styles</a:t>
             </a:r>
           </a:p>
@@ -2424,7 +2424,7 @@
             <a:fld id="{B61BEF0D-F0BB-DE4B-95CE-6DB70DBA9567}" type="datetimeFigureOut">
               <a:rPr lang="en-US" dirty="0"/>
               <a:pPr/>
-              <a:t>6/13/2019</a:t>
+              <a:t>6/16/2019</a:t>
             </a:fld>
             <a:endParaRPr lang="en-US" dirty="0"/>
           </a:p>
@@ -2519,7 +2519,7 @@
           <a:lstStyle/>
           <a:p>
             <a:r>
-              <a:rPr lang="en-US" smtClean="0"/>
+              <a:rPr lang="en-US"/>
               <a:t>Click to edit Master title style</a:t>
             </a:r>
             <a:endParaRPr lang="en-US" dirty="0"/>
@@ -2543,35 +2543,35 @@
           <a:p>
             <a:pPr lvl="0"/>
             <a:r>
-              <a:rPr lang="en-US" smtClean="0"/>
+              <a:rPr lang="en-US"/>
               <a:t>Edit Master text styles</a:t>
             </a:r>
           </a:p>
           <a:p>
             <a:pPr lvl="1"/>
             <a:r>
-              <a:rPr lang="en-US" smtClean="0"/>
+              <a:rPr lang="en-US"/>
               <a:t>Second level</a:t>
             </a:r>
           </a:p>
           <a:p>
             <a:pPr lvl="2"/>
             <a:r>
-              <a:rPr lang="en-US" smtClean="0"/>
+              <a:rPr lang="en-US"/>
               <a:t>Third level</a:t>
             </a:r>
           </a:p>
           <a:p>
             <a:pPr lvl="3"/>
             <a:r>
-              <a:rPr lang="en-US" smtClean="0"/>
+              <a:rPr lang="en-US"/>
               <a:t>Fourth level</a:t>
             </a:r>
           </a:p>
           <a:p>
             <a:pPr lvl="4"/>
             <a:r>
-              <a:rPr lang="en-US" smtClean="0"/>
+              <a:rPr lang="en-US"/>
               <a:t>Fifth level</a:t>
             </a:r>
             <a:endParaRPr lang="en-US" dirty="0"/>
@@ -2596,7 +2596,7 @@
             <a:fld id="{B61BEF0D-F0BB-DE4B-95CE-6DB70DBA9567}" type="datetimeFigureOut">
               <a:rPr lang="en-US" dirty="0"/>
               <a:pPr/>
-              <a:t>6/13/2019</a:t>
+              <a:t>6/16/2019</a:t>
             </a:fld>
             <a:endParaRPr lang="en-US" dirty="0"/>
           </a:p>
@@ -2691,7 +2691,7 @@
           <a:lstStyle/>
           <a:p>
             <a:r>
-              <a:rPr lang="en-US" smtClean="0"/>
+              <a:rPr lang="en-US"/>
               <a:t>Click to edit Master title style</a:t>
             </a:r>
             <a:endParaRPr lang="en-US" dirty="0"/>
@@ -2720,35 +2720,35 @@
           <a:p>
             <a:pPr lvl="0"/>
             <a:r>
-              <a:rPr lang="en-US" smtClean="0"/>
+              <a:rPr lang="en-US"/>
               <a:t>Edit Master text styles</a:t>
             </a:r>
           </a:p>
           <a:p>
             <a:pPr lvl="1"/>
             <a:r>
-              <a:rPr lang="en-US" smtClean="0"/>
+              <a:rPr lang="en-US"/>
               <a:t>Second level</a:t>
             </a:r>
           </a:p>
           <a:p>
             <a:pPr lvl="2"/>
             <a:r>
-              <a:rPr lang="en-US" smtClean="0"/>
+              <a:rPr lang="en-US"/>
               <a:t>Third level</a:t>
             </a:r>
           </a:p>
           <a:p>
             <a:pPr lvl="3"/>
             <a:r>
-              <a:rPr lang="en-US" smtClean="0"/>
+              <a:rPr lang="en-US"/>
               <a:t>Fourth level</a:t>
             </a:r>
           </a:p>
           <a:p>
             <a:pPr lvl="4"/>
             <a:r>
-              <a:rPr lang="en-US" smtClean="0"/>
+              <a:rPr lang="en-US"/>
               <a:t>Fifth level</a:t>
             </a:r>
             <a:endParaRPr lang="en-US" dirty="0"/>
@@ -2773,7 +2773,7 @@
             <a:fld id="{B61BEF0D-F0BB-DE4B-95CE-6DB70DBA9567}" type="datetimeFigureOut">
               <a:rPr lang="en-US" dirty="0"/>
               <a:pPr/>
-              <a:t>6/13/2019</a:t>
+              <a:t>6/16/2019</a:t>
             </a:fld>
             <a:endParaRPr lang="en-US" dirty="0"/>
           </a:p>
@@ -2863,7 +2863,7 @@
           <a:lstStyle/>
           <a:p>
             <a:r>
-              <a:rPr lang="en-US" smtClean="0"/>
+              <a:rPr lang="en-US"/>
               <a:t>Click to edit Master title style</a:t>
             </a:r>
             <a:endParaRPr lang="en-US" dirty="0"/>
@@ -2887,35 +2887,35 @@
           <a:p>
             <a:pPr lvl="0"/>
             <a:r>
-              <a:rPr lang="en-US" smtClean="0"/>
+              <a:rPr lang="en-US"/>
               <a:t>Edit Master text styles</a:t>
             </a:r>
           </a:p>
           <a:p>
             <a:pPr lvl="1"/>
             <a:r>
-              <a:rPr lang="en-US" smtClean="0"/>
+              <a:rPr lang="en-US"/>
               <a:t>Second level</a:t>
             </a:r>
           </a:p>
           <a:p>
             <a:pPr lvl="2"/>
             <a:r>
-              <a:rPr lang="en-US" smtClean="0"/>
+              <a:rPr lang="en-US"/>
               <a:t>Third level</a:t>
             </a:r>
           </a:p>
           <a:p>
             <a:pPr lvl="3"/>
             <a:r>
-              <a:rPr lang="en-US" smtClean="0"/>
+              <a:rPr lang="en-US"/>
               <a:t>Fourth level</a:t>
             </a:r>
           </a:p>
           <a:p>
             <a:pPr lvl="4"/>
             <a:r>
-              <a:rPr lang="en-US" smtClean="0"/>
+              <a:rPr lang="en-US"/>
               <a:t>Fifth level</a:t>
             </a:r>
             <a:endParaRPr lang="en-US" dirty="0"/>
@@ -2940,7 +2940,7 @@
             <a:fld id="{B61BEF0D-F0BB-DE4B-95CE-6DB70DBA9567}" type="datetimeFigureOut">
               <a:rPr lang="en-US" dirty="0"/>
               <a:pPr/>
-              <a:t>6/13/2019</a:t>
+              <a:t>6/16/2019</a:t>
             </a:fld>
             <a:endParaRPr lang="en-US" dirty="0"/>
           </a:p>
@@ -3039,7 +3039,7 @@
           </a:lstStyle>
           <a:p>
             <a:r>
-              <a:rPr lang="en-US" smtClean="0"/>
+              <a:rPr lang="en-US"/>
               <a:t>Click to edit Master title style</a:t>
             </a:r>
             <a:endParaRPr lang="en-US" dirty="0"/>
@@ -3170,7 +3170,7 @@
           <a:p>
             <a:pPr lvl="0"/>
             <a:r>
-              <a:rPr lang="en-US" smtClean="0"/>
+              <a:rPr lang="en-US"/>
               <a:t>Edit Master text styles</a:t>
             </a:r>
           </a:p>
@@ -3194,7 +3194,7 @@
             <a:fld id="{B61BEF0D-F0BB-DE4B-95CE-6DB70DBA9567}" type="datetimeFigureOut">
               <a:rPr lang="en-US" dirty="0"/>
               <a:pPr/>
-              <a:t>6/13/2019</a:t>
+              <a:t>6/16/2019</a:t>
             </a:fld>
             <a:endParaRPr lang="en-US" dirty="0"/>
           </a:p>
@@ -3284,7 +3284,7 @@
           <a:lstStyle/>
           <a:p>
             <a:r>
-              <a:rPr lang="en-US" smtClean="0"/>
+              <a:rPr lang="en-US"/>
               <a:t>Click to edit Master title style</a:t>
             </a:r>
             <a:endParaRPr lang="en-US" dirty="0"/>
@@ -3343,35 +3343,35 @@
           <a:p>
             <a:pPr lvl="0"/>
             <a:r>
-              <a:rPr lang="en-US" smtClean="0"/>
+              <a:rPr lang="en-US"/>
               <a:t>Edit Master text styles</a:t>
             </a:r>
           </a:p>
           <a:p>
             <a:pPr lvl="1"/>
             <a:r>
-              <a:rPr lang="en-US" smtClean="0"/>
+              <a:rPr lang="en-US"/>
               <a:t>Second level</a:t>
             </a:r>
           </a:p>
           <a:p>
             <a:pPr lvl="2"/>
             <a:r>
-              <a:rPr lang="en-US" smtClean="0"/>
+              <a:rPr lang="en-US"/>
               <a:t>Third level</a:t>
             </a:r>
           </a:p>
           <a:p>
             <a:pPr lvl="3"/>
             <a:r>
-              <a:rPr lang="en-US" smtClean="0"/>
+              <a:rPr lang="en-US"/>
               <a:t>Fourth level</a:t>
             </a:r>
           </a:p>
           <a:p>
             <a:pPr lvl="4"/>
             <a:r>
-              <a:rPr lang="en-US" smtClean="0"/>
+              <a:rPr lang="en-US"/>
               <a:t>Fifth level</a:t>
             </a:r>
             <a:endParaRPr lang="en-US" dirty="0"/>
@@ -3430,35 +3430,35 @@
           <a:p>
             <a:pPr lvl="0"/>
             <a:r>
-              <a:rPr lang="en-US" smtClean="0"/>
+              <a:rPr lang="en-US"/>
               <a:t>Edit Master text styles</a:t>
             </a:r>
           </a:p>
           <a:p>
             <a:pPr lvl="1"/>
             <a:r>
-              <a:rPr lang="en-US" smtClean="0"/>
+              <a:rPr lang="en-US"/>
               <a:t>Second level</a:t>
             </a:r>
           </a:p>
           <a:p>
             <a:pPr lvl="2"/>
             <a:r>
-              <a:rPr lang="en-US" smtClean="0"/>
+              <a:rPr lang="en-US"/>
               <a:t>Third level</a:t>
             </a:r>
           </a:p>
           <a:p>
             <a:pPr lvl="3"/>
             <a:r>
-              <a:rPr lang="en-US" smtClean="0"/>
+              <a:rPr lang="en-US"/>
               <a:t>Fourth level</a:t>
             </a:r>
           </a:p>
           <a:p>
             <a:pPr lvl="4"/>
             <a:r>
-              <a:rPr lang="en-US" smtClean="0"/>
+              <a:rPr lang="en-US"/>
               <a:t>Fifth level</a:t>
             </a:r>
             <a:endParaRPr lang="en-US" dirty="0"/>
@@ -3483,7 +3483,7 @@
             <a:fld id="{B61BEF0D-F0BB-DE4B-95CE-6DB70DBA9567}" type="datetimeFigureOut">
               <a:rPr lang="en-US" dirty="0"/>
               <a:pPr/>
-              <a:t>6/13/2019</a:t>
+              <a:t>6/16/2019</a:t>
             </a:fld>
             <a:endParaRPr lang="en-US" dirty="0"/>
           </a:p>
@@ -3577,7 +3577,7 @@
           </a:lstStyle>
           <a:p>
             <a:r>
-              <a:rPr lang="en-US" smtClean="0"/>
+              <a:rPr lang="en-US"/>
               <a:t>Click to edit Master title style</a:t>
             </a:r>
             <a:endParaRPr lang="en-US" dirty="0"/>
@@ -3645,7 +3645,7 @@
           <a:p>
             <a:pPr lvl="0"/>
             <a:r>
-              <a:rPr lang="en-US" smtClean="0"/>
+              <a:rPr lang="en-US"/>
               <a:t>Edit Master text styles</a:t>
             </a:r>
           </a:p>
@@ -3703,35 +3703,35 @@
           <a:p>
             <a:pPr lvl="0"/>
             <a:r>
-              <a:rPr lang="en-US" smtClean="0"/>
+              <a:rPr lang="en-US"/>
               <a:t>Edit Master text styles</a:t>
             </a:r>
           </a:p>
           <a:p>
             <a:pPr lvl="1"/>
             <a:r>
-              <a:rPr lang="en-US" smtClean="0"/>
+              <a:rPr lang="en-US"/>
               <a:t>Second level</a:t>
             </a:r>
           </a:p>
           <a:p>
             <a:pPr lvl="2"/>
             <a:r>
-              <a:rPr lang="en-US" smtClean="0"/>
+              <a:rPr lang="en-US"/>
               <a:t>Third level</a:t>
             </a:r>
           </a:p>
           <a:p>
             <a:pPr lvl="3"/>
             <a:r>
-              <a:rPr lang="en-US" smtClean="0"/>
+              <a:rPr lang="en-US"/>
               <a:t>Fourth level</a:t>
             </a:r>
           </a:p>
           <a:p>
             <a:pPr lvl="4"/>
             <a:r>
-              <a:rPr lang="en-US" smtClean="0"/>
+              <a:rPr lang="en-US"/>
               <a:t>Fifth level</a:t>
             </a:r>
             <a:endParaRPr lang="en-US" dirty="0"/>
@@ -3799,7 +3799,7 @@
           <a:p>
             <a:pPr lvl="0"/>
             <a:r>
-              <a:rPr lang="en-US" smtClean="0"/>
+              <a:rPr lang="en-US"/>
               <a:t>Edit Master text styles</a:t>
             </a:r>
           </a:p>
@@ -3857,35 +3857,35 @@
           <a:p>
             <a:pPr lvl="0"/>
             <a:r>
-              <a:rPr lang="en-US" smtClean="0"/>
+              <a:rPr lang="en-US"/>
               <a:t>Edit Master text styles</a:t>
             </a:r>
           </a:p>
           <a:p>
             <a:pPr lvl="1"/>
             <a:r>
-              <a:rPr lang="en-US" smtClean="0"/>
+              <a:rPr lang="en-US"/>
               <a:t>Second level</a:t>
             </a:r>
           </a:p>
           <a:p>
             <a:pPr lvl="2"/>
             <a:r>
-              <a:rPr lang="en-US" smtClean="0"/>
+              <a:rPr lang="en-US"/>
               <a:t>Third level</a:t>
             </a:r>
           </a:p>
           <a:p>
             <a:pPr lvl="3"/>
             <a:r>
-              <a:rPr lang="en-US" smtClean="0"/>
+              <a:rPr lang="en-US"/>
               <a:t>Fourth level</a:t>
             </a:r>
           </a:p>
           <a:p>
             <a:pPr lvl="4"/>
             <a:r>
-              <a:rPr lang="en-US" smtClean="0"/>
+              <a:rPr lang="en-US"/>
               <a:t>Fifth level</a:t>
             </a:r>
             <a:endParaRPr lang="en-US" dirty="0"/>
@@ -3910,7 +3910,7 @@
             <a:fld id="{B61BEF0D-F0BB-DE4B-95CE-6DB70DBA9567}" type="datetimeFigureOut">
               <a:rPr lang="en-US" dirty="0"/>
               <a:pPr/>
-              <a:t>6/13/2019</a:t>
+              <a:t>6/16/2019</a:t>
             </a:fld>
             <a:endParaRPr lang="en-US" dirty="0"/>
           </a:p>
@@ -4000,7 +4000,7 @@
           <a:lstStyle/>
           <a:p>
             <a:r>
-              <a:rPr lang="en-US" smtClean="0"/>
+              <a:rPr lang="en-US"/>
               <a:t>Click to edit Master title style</a:t>
             </a:r>
             <a:endParaRPr lang="en-US" dirty="0"/>
@@ -4025,7 +4025,7 @@
             <a:fld id="{B61BEF0D-F0BB-DE4B-95CE-6DB70DBA9567}" type="datetimeFigureOut">
               <a:rPr lang="en-US" dirty="0"/>
               <a:pPr/>
-              <a:t>6/13/2019</a:t>
+              <a:t>6/16/2019</a:t>
             </a:fld>
             <a:endParaRPr lang="en-US" dirty="0"/>
           </a:p>
@@ -4117,7 +4117,7 @@
             <a:fld id="{B61BEF0D-F0BB-DE4B-95CE-6DB70DBA9567}" type="datetimeFigureOut">
               <a:rPr lang="en-US" dirty="0"/>
               <a:pPr/>
-              <a:t>6/13/2019</a:t>
+              <a:t>6/16/2019</a:t>
             </a:fld>
             <a:endParaRPr lang="en-US" dirty="0"/>
           </a:p>
@@ -4218,7 +4218,7 @@
           </a:lstStyle>
           <a:p>
             <a:r>
-              <a:rPr lang="en-US" smtClean="0"/>
+              <a:rPr lang="en-US"/>
               <a:t>Click to edit Master title style</a:t>
             </a:r>
             <a:endParaRPr lang="en-US" dirty="0"/>
@@ -4277,35 +4277,35 @@
           <a:p>
             <a:pPr lvl="0"/>
             <a:r>
-              <a:rPr lang="en-US" smtClean="0"/>
+              <a:rPr lang="en-US"/>
               <a:t>Edit Master text styles</a:t>
             </a:r>
           </a:p>
           <a:p>
             <a:pPr lvl="1"/>
             <a:r>
-              <a:rPr lang="en-US" smtClean="0"/>
+              <a:rPr lang="en-US"/>
               <a:t>Second level</a:t>
             </a:r>
           </a:p>
           <a:p>
             <a:pPr lvl="2"/>
             <a:r>
-              <a:rPr lang="en-US" smtClean="0"/>
+              <a:rPr lang="en-US"/>
               <a:t>Third level</a:t>
             </a:r>
           </a:p>
           <a:p>
             <a:pPr lvl="3"/>
             <a:r>
-              <a:rPr lang="en-US" smtClean="0"/>
+              <a:rPr lang="en-US"/>
               <a:t>Fourth level</a:t>
             </a:r>
           </a:p>
           <a:p>
             <a:pPr lvl="4"/>
             <a:r>
-              <a:rPr lang="en-US" smtClean="0"/>
+              <a:rPr lang="en-US"/>
               <a:t>Fifth level</a:t>
             </a:r>
             <a:endParaRPr lang="en-US" dirty="0"/>
@@ -4373,7 +4373,7 @@
           <a:p>
             <a:pPr lvl="0"/>
             <a:r>
-              <a:rPr lang="en-US" smtClean="0"/>
+              <a:rPr lang="en-US"/>
               <a:t>Edit Master text styles</a:t>
             </a:r>
           </a:p>
@@ -4397,7 +4397,7 @@
             <a:fld id="{B61BEF0D-F0BB-DE4B-95CE-6DB70DBA9567}" type="datetimeFigureOut">
               <a:rPr lang="en-US" dirty="0"/>
               <a:pPr/>
-              <a:t>6/13/2019</a:t>
+              <a:t>6/16/2019</a:t>
             </a:fld>
             <a:endParaRPr lang="en-US" dirty="0"/>
           </a:p>
@@ -4498,7 +4498,7 @@
           </a:lstStyle>
           <a:p>
             <a:r>
-              <a:rPr lang="en-US" smtClean="0"/>
+              <a:rPr lang="en-US"/>
               <a:t>Click to edit Master title style</a:t>
             </a:r>
             <a:endParaRPr lang="en-US" dirty="0"/>
@@ -4588,7 +4588,7 @@
           </a:lstStyle>
           <a:p>
             <a:r>
-              <a:rPr lang="en-US" smtClean="0"/>
+              <a:rPr lang="en-US"/>
               <a:t>Click icon to add picture</a:t>
             </a:r>
             <a:endParaRPr lang="en-US" dirty="0"/>
@@ -4656,7 +4656,7 @@
           <a:p>
             <a:pPr lvl="0"/>
             <a:r>
-              <a:rPr lang="en-US" smtClean="0"/>
+              <a:rPr lang="en-US"/>
               <a:t>Edit Master text styles</a:t>
             </a:r>
           </a:p>
@@ -4685,7 +4685,7 @@
             <a:fld id="{B61BEF0D-F0BB-DE4B-95CE-6DB70DBA9567}" type="datetimeFigureOut">
               <a:rPr lang="en-US" dirty="0"/>
               <a:pPr/>
-              <a:t>6/13/2019</a:t>
+              <a:t>6/16/2019</a:t>
             </a:fld>
             <a:endParaRPr lang="en-US" dirty="0"/>
           </a:p>
@@ -4800,7 +4800,7 @@
           <a:lstStyle/>
           <a:p>
             <a:r>
-              <a:rPr lang="en-US" smtClean="0"/>
+              <a:rPr lang="en-US"/>
               <a:t>Click to edit Master title style</a:t>
             </a:r>
             <a:endParaRPr lang="en-US" dirty="0"/>
@@ -4834,35 +4834,35 @@
           <a:p>
             <a:pPr lvl="0"/>
             <a:r>
-              <a:rPr lang="en-US" smtClean="0"/>
+              <a:rPr lang="en-US"/>
               <a:t>Edit Master text styles</a:t>
             </a:r>
           </a:p>
           <a:p>
             <a:pPr lvl="1"/>
             <a:r>
-              <a:rPr lang="en-US" smtClean="0"/>
+              <a:rPr lang="en-US"/>
               <a:t>Second level</a:t>
             </a:r>
           </a:p>
           <a:p>
             <a:pPr lvl="2"/>
             <a:r>
-              <a:rPr lang="en-US" smtClean="0"/>
+              <a:rPr lang="en-US"/>
               <a:t>Third level</a:t>
             </a:r>
           </a:p>
           <a:p>
             <a:pPr lvl="3"/>
             <a:r>
-              <a:rPr lang="en-US" smtClean="0"/>
+              <a:rPr lang="en-US"/>
               <a:t>Fourth level</a:t>
             </a:r>
           </a:p>
           <a:p>
             <a:pPr lvl="4"/>
             <a:r>
-              <a:rPr lang="en-US" smtClean="0"/>
+              <a:rPr lang="en-US"/>
               <a:t>Fifth level</a:t>
             </a:r>
             <a:endParaRPr lang="en-US" dirty="0"/>
@@ -4913,7 +4913,7 @@
             <a:fld id="{B61BEF0D-F0BB-DE4B-95CE-6DB70DBA9567}" type="datetimeFigureOut">
               <a:rPr lang="en-US" dirty="0"/>
               <a:pPr/>
-              <a:t>6/13/2019</a:t>
+              <a:t>6/16/2019</a:t>
             </a:fld>
             <a:endParaRPr lang="en-US" dirty="0"/>
           </a:p>
@@ -5694,24 +5694,23 @@
           <a:lstStyle/>
           <a:p>
             <a:r>
-              <a:rPr lang="en-US" dirty="0" smtClean="0"/>
+              <a:rPr lang="en-US" dirty="0"/>
               <a:t>Service-oriented architecture </a:t>
             </a:r>
             <a:br>
-              <a:rPr lang="en-US" dirty="0" smtClean="0"/>
+              <a:rPr lang="en-US" dirty="0"/>
             </a:br>
             <a:r>
-              <a:rPr lang="en-US" dirty="0" smtClean="0"/>
+              <a:rPr lang="en-US" dirty="0"/>
               <a:t>&amp;</a:t>
             </a:r>
             <a:br>
-              <a:rPr lang="en-US" dirty="0" smtClean="0"/>
+              <a:rPr lang="en-US" dirty="0"/>
             </a:br>
             <a:r>
-              <a:rPr lang="en-US" dirty="0" smtClean="0"/>
+              <a:rPr lang="en-US" dirty="0"/>
               <a:t>Enterprise Service bus</a:t>
             </a:r>
-            <a:endParaRPr lang="en-US" dirty="0"/>
           </a:p>
         </p:txBody>
       </p:sp>
@@ -5731,16 +5730,15 @@
           <a:lstStyle/>
           <a:p>
             <a:r>
-              <a:rPr lang="en-US" dirty="0" smtClean="0"/>
+              <a:rPr lang="en-US" dirty="0"/>
               <a:t>By: William Thomason</a:t>
             </a:r>
           </a:p>
           <a:p>
             <a:r>
-              <a:rPr lang="en-US" dirty="0" smtClean="0"/>
+              <a:rPr lang="en-US" dirty="0"/>
               <a:t>Web-420 presentation 7.2</a:t>
             </a:r>
-            <a:endParaRPr lang="en-US" dirty="0"/>
           </a:p>
         </p:txBody>
       </p:sp>
@@ -5754,13 +5752,6 @@
   <p:clrMapOvr>
     <a:masterClrMapping/>
   </p:clrMapOvr>
-  <p:timing>
-    <p:tnLst>
-      <p:par>
-        <p:cTn id="1" dur="indefinite" restart="never" nodeType="tmRoot"/>
-      </p:par>
-    </p:tnLst>
-  </p:timing>
 </p:sld>
 </file>
 
@@ -5797,10 +5788,9 @@
           <a:lstStyle/>
           <a:p>
             <a:r>
-              <a:rPr lang="en-US" dirty="0" smtClean="0"/>
+              <a:rPr lang="en-US" dirty="0"/>
               <a:t>References</a:t>
             </a:r>
-            <a:endParaRPr lang="en-US" dirty="0"/>
           </a:p>
         </p:txBody>
       </p:sp>
@@ -5838,16 +5828,9 @@
                 <a:effectLst/>
                 <a:hlinkClick r:id="rId2"/>
               </a:rPr>
-              <a:t>https://www.geeksforgeeks.org/service-oriented-architecture</a:t>
-            </a:r>
-            <a:r>
-              <a:rPr lang="en-US" dirty="0" smtClean="0">
-                <a:effectLst/>
-                <a:hlinkClick r:id="rId2"/>
-              </a:rPr>
-              <a:t>/</a:t>
-            </a:r>
-            <a:endParaRPr lang="en-US" dirty="0" smtClean="0">
+              <a:t>https://www.geeksforgeeks.org/service-oriented-architecture/</a:t>
+            </a:r>
+            <a:endParaRPr lang="en-US" dirty="0">
               <a:effectLst/>
             </a:endParaRPr>
           </a:p>
@@ -5872,16 +5855,9 @@
                 <a:effectLst/>
                 <a:hlinkClick r:id="rId3"/>
               </a:rPr>
-              <a:t>https://</a:t>
-            </a:r>
-            <a:r>
-              <a:rPr lang="en-US" dirty="0" smtClean="0">
-                <a:effectLst/>
-                <a:hlinkClick r:id="rId3"/>
-              </a:rPr>
-              <a:t>searchmicroservices.techtarget.com/definition/enterprise-service-bus-ESB</a:t>
-            </a:r>
-            <a:endParaRPr lang="en-US" dirty="0" smtClean="0">
+              <a:t>https://searchmicroservices.techtarget.com/definition/enterprise-service-bus-ESB</a:t>
+            </a:r>
+            <a:endParaRPr lang="en-US" dirty="0">
               <a:effectLst/>
             </a:endParaRPr>
           </a:p>
@@ -5921,21 +5897,14 @@
                 <a:effectLst/>
                 <a:hlinkClick r:id="rId4"/>
               </a:rPr>
-              <a:t>http://</a:t>
-            </a:r>
-            <a:r>
-              <a:rPr lang="en-US" dirty="0" smtClean="0">
-                <a:effectLst/>
-                <a:hlinkClick r:id="rId4"/>
-              </a:rPr>
-              <a:t>collaboration.cmc.ec.gc.ca/science/rpn/biblio/ddj/Website/articles/DDJ/2006/0611/061001ra01/061001ra01.html</a:t>
-            </a:r>
-            <a:endParaRPr lang="en-US" dirty="0" smtClean="0">
+              <a:t>http://collaboration.cmc.ec.gc.ca/science/rpn/biblio/ddj/Website/articles/DDJ/2006/0611/061001ra01/061001ra01.html</a:t>
+            </a:r>
+            <a:endParaRPr lang="en-US" dirty="0">
               <a:effectLst/>
             </a:endParaRPr>
           </a:p>
           <a:p>
-            <a:endParaRPr lang="en-US" dirty="0" smtClean="0">
+            <a:endParaRPr lang="en-US" dirty="0">
               <a:effectLst/>
             </a:endParaRPr>
           </a:p>
@@ -5990,28 +5959,10 @@
           <a:lstStyle/>
           <a:p>
             <a:r>
-              <a:rPr lang="en-US" dirty="0" smtClean="0">
-                <a:effectLst/>
-              </a:rPr>
-              <a:t>What is </a:t>
-            </a:r>
-            <a:r>
               <a:rPr lang="en-US" dirty="0">
                 <a:effectLst/>
               </a:rPr>
-              <a:t>service-oriented </a:t>
-            </a:r>
-            <a:r>
-              <a:rPr lang="en-US" dirty="0" smtClean="0">
-                <a:effectLst/>
-              </a:rPr>
-              <a:t>architectures?</a:t>
-            </a:r>
-            <a:r>
-              <a:rPr lang="en-US" dirty="0">
-                <a:effectLst/>
-              </a:rPr>
-              <a:t/>
+              <a:t>What is service-oriented architectures?</a:t>
             </a:r>
             <a:br>
               <a:rPr lang="en-US" dirty="0">
@@ -6048,13 +5999,7 @@
               <a:rPr lang="en-US" sz="2200" b="1" dirty="0">
                 <a:effectLst/>
               </a:rPr>
-              <a:t>Service-Oriented Architecture (SOA) is an architectural approach in which applications make use of services available in the network. In this architecture, services are provided to form applications, through a communication call over the internet</a:t>
-            </a:r>
-            <a:r>
-              <a:rPr lang="en-US" sz="2200" b="1" dirty="0" smtClean="0">
-                <a:effectLst/>
-              </a:rPr>
-              <a:t>.</a:t>
+              <a:t>Service-Oriented Architecture (SOA) is an architectural approach in which applications make use of services available in the network. In this architecture, services are provided to form applications, through a communication call over the internet.</a:t>
             </a:r>
           </a:p>
           <a:p>
@@ -6099,13 +6044,6 @@
   <p:clrMapOvr>
     <a:masterClrMapping/>
   </p:clrMapOvr>
-  <p:timing>
-    <p:tnLst>
-      <p:par>
-        <p:cTn id="1" dur="indefinite" restart="never" nodeType="tmRoot"/>
-      </p:par>
-    </p:tnLst>
-  </p:timing>
 </p:sld>
 </file>
 
@@ -6145,25 +6083,7 @@
               <a:rPr lang="en-US" dirty="0">
                 <a:effectLst/>
               </a:rPr>
-              <a:t>What </a:t>
-            </a:r>
-            <a:r>
-              <a:rPr lang="en-US" dirty="0" smtClean="0">
-                <a:effectLst/>
-              </a:rPr>
-              <a:t>are enterprise </a:t>
-            </a:r>
-            <a:r>
-              <a:rPr lang="en-US" dirty="0">
-                <a:effectLst/>
-              </a:rPr>
-              <a:t>service </a:t>
-            </a:r>
-            <a:r>
-              <a:rPr lang="en-US" dirty="0" smtClean="0">
-                <a:effectLst/>
-              </a:rPr>
-              <a:t>buses?</a:t>
+              <a:t>What are enterprise service buses?</a:t>
             </a:r>
             <a:endParaRPr lang="en-US" dirty="0"/>
           </a:p>
@@ -6195,99 +6115,15 @@
               <a:rPr lang="en-US" sz="2200" b="1" dirty="0">
                 <a:effectLst/>
               </a:rPr>
-              <a:t>An enterprise service bus (ESB) is </a:t>
-            </a:r>
-            <a:r>
-              <a:rPr lang="en-US" sz="2200" b="1" dirty="0" smtClean="0">
-                <a:effectLst/>
-              </a:rPr>
-              <a:t>a middleware</a:t>
-            </a:r>
+              <a:t>An enterprise service bus (ESB) is a middleware tool used to distribute work among connected components of an application. ESBs are designed to provide a uniform means of moving work, offering applications the ability to connect to the bus and subscribe to messages based on simple structural and business policy rules.</a:t>
+            </a:r>
+          </a:p>
+          <a:p>
             <a:r>
               <a:rPr lang="en-US" sz="2200" b="1" dirty="0">
                 <a:effectLst/>
               </a:rPr>
-              <a:t> tool used to distribute work among connected components of </a:t>
-            </a:r>
-            <a:r>
-              <a:rPr lang="en-US" sz="2200" b="1" dirty="0" smtClean="0">
-                <a:effectLst/>
-              </a:rPr>
-              <a:t>an application. </a:t>
-            </a:r>
-            <a:r>
-              <a:rPr lang="en-US" sz="2200" b="1" dirty="0">
-                <a:effectLst/>
-              </a:rPr>
-              <a:t>ESBs are designed to provide a uniform means of moving work, offering applications the ability to connect to </a:t>
-            </a:r>
-            <a:r>
-              <a:rPr lang="en-US" sz="2200" b="1" dirty="0" smtClean="0">
-                <a:effectLst/>
-              </a:rPr>
-              <a:t>the bus and </a:t>
-            </a:r>
-            <a:r>
-              <a:rPr lang="en-US" sz="2200" b="1" dirty="0">
-                <a:effectLst/>
-              </a:rPr>
-              <a:t>subscribe </a:t>
-            </a:r>
-            <a:r>
-              <a:rPr lang="en-US" sz="2200" b="1" dirty="0" smtClean="0">
-                <a:effectLst/>
-              </a:rPr>
-              <a:t>to messages</a:t>
-            </a:r>
-            <a:r>
-              <a:rPr lang="en-US" sz="2200" b="1" dirty="0">
-                <a:effectLst/>
-              </a:rPr>
-              <a:t> based on simple structural and business policy rules.</a:t>
-            </a:r>
-          </a:p>
-          <a:p>
-            <a:r>
-              <a:rPr lang="en-US" sz="2200" b="1" dirty="0">
-                <a:effectLst/>
-              </a:rPr>
-              <a:t>As such, it's a tool that has use in </a:t>
-            </a:r>
-            <a:r>
-              <a:rPr lang="en-US" sz="2200" b="1" dirty="0" smtClean="0">
-                <a:effectLst/>
-              </a:rPr>
-              <a:t>both distributed computing</a:t>
-            </a:r>
-            <a:r>
-              <a:rPr lang="en-US" sz="2200" b="1" dirty="0">
-                <a:effectLst/>
-              </a:rPr>
-              <a:t> and </a:t>
-            </a:r>
-            <a:r>
-              <a:rPr lang="en-US" sz="2200" b="1" dirty="0" smtClean="0">
-                <a:effectLst/>
-              </a:rPr>
-              <a:t>component integration. </a:t>
-            </a:r>
-            <a:r>
-              <a:rPr lang="en-US" sz="2200" b="1" dirty="0">
-                <a:effectLst/>
-              </a:rPr>
-              <a:t>The best way to think of this tool is to visualize it as a set </a:t>
-            </a:r>
-            <a:r>
-              <a:rPr lang="en-US" sz="2200" b="1" dirty="0" smtClean="0">
-                <a:effectLst/>
-              </a:rPr>
-              <a:t>of switches that </a:t>
-            </a:r>
-            <a:r>
-              <a:rPr lang="en-US" sz="2200" b="1" dirty="0">
-                <a:effectLst/>
-              </a:rPr>
-              <a:t>can direct a message along a specific route between application components based on message contents and implementation or business policies.</a:t>
+              <a:t>As such, it's a tool that has use in both distributed computing and component integration. The best way to think of this tool is to visualize it as a set of switches that can direct a message along a specific route between application components based on message contents and implementation or business policies.</a:t>
             </a:r>
           </a:p>
           <a:p>
@@ -6305,13 +6141,6 @@
   <p:clrMapOvr>
     <a:masterClrMapping/>
   </p:clrMapOvr>
-  <p:timing>
-    <p:tnLst>
-      <p:par>
-        <p:cTn id="1" dur="indefinite" restart="never" nodeType="tmRoot"/>
-      </p:par>
-    </p:tnLst>
-  </p:timing>
 </p:sld>
 </file>
 
@@ -6453,13 +6282,7 @@
               <a:rPr lang="en-US" dirty="0">
                 <a:effectLst/>
               </a:rPr>
-              <a:t>The advantages of a SOA </a:t>
-            </a:r>
-            <a:r>
-              <a:rPr lang="en-US" dirty="0" smtClean="0">
-                <a:effectLst/>
-              </a:rPr>
-              <a:t>architecture.</a:t>
+              <a:t>The advantages of a SOA architecture.</a:t>
             </a:r>
             <a:endParaRPr lang="en-US" dirty="0"/>
           </a:p>
@@ -6491,13 +6314,7 @@
               <a:rPr lang="en-US" sz="2200" b="1" dirty="0">
                 <a:effectLst/>
               </a:rPr>
-              <a:t>Because the services provided or requested are complete, self-contained programs, they are characterized by their </a:t>
-            </a:r>
-            <a:r>
-              <a:rPr lang="en-US" sz="2200" b="1" dirty="0" smtClean="0">
-                <a:effectLst/>
-              </a:rPr>
-              <a:t>re-usability</a:t>
+              <a:t>Because the services provided or requested are complete, self-contained programs, they are characterized by their re-usability</a:t>
             </a:r>
           </a:p>
           <a:p>
@@ -6505,13 +6322,7 @@
               <a:rPr lang="en-US" sz="2200" b="1" dirty="0">
                 <a:effectLst/>
               </a:rPr>
-              <a:t>One of the advantages of SOA is the elimination of the complexities associated with interacting services within an environment. When it comes to updating, upgrading, and maintaining the services in the SOA environment there are no complications resulting from interactions with other connected and interacting </a:t>
-            </a:r>
-            <a:r>
-              <a:rPr lang="en-US" sz="2200" b="1" dirty="0" smtClean="0">
-                <a:effectLst/>
-              </a:rPr>
-              <a:t>services</a:t>
+              <a:t>One of the advantages of SOA is the elimination of the complexities associated with interacting services within an environment. When it comes to updating, upgrading, and maintaining the services in the SOA environment there are no complications resulting from interactions with other connected and interacting services</a:t>
             </a:r>
           </a:p>
           <a:p>
@@ -6519,13 +6330,7 @@
               <a:rPr lang="en-US" sz="2200" b="1" dirty="0">
                 <a:effectLst/>
               </a:rPr>
-              <a:t>SOA services are complete and self-contained programs. This makes it easy for testing, debugging or any form of maintenance</a:t>
-            </a:r>
-            <a:r>
-              <a:rPr lang="en-US" sz="2200" b="1" dirty="0" smtClean="0">
-                <a:effectLst/>
-              </a:rPr>
-              <a:t>.</a:t>
+              <a:t>SOA services are complete and self-contained programs. This makes it easy for testing, debugging or any form of maintenance.</a:t>
             </a:r>
           </a:p>
           <a:p>
@@ -6535,13 +6340,10 @@
               </a:rPr>
               <a:t>Normally, services in a SOA are available to any requester that needs them. </a:t>
             </a:r>
-            <a:endParaRPr lang="en-US" sz="2200" b="1" dirty="0" smtClean="0">
-              <a:effectLst/>
-            </a:endParaRPr>
-          </a:p>
-          <a:p>
-            <a:r>
-              <a:rPr lang="en-US" sz="2200" b="1" dirty="0" smtClean="0">
+          </a:p>
+          <a:p>
+            <a:r>
+              <a:rPr lang="en-US" sz="2200" b="1" dirty="0">
                 <a:effectLst/>
               </a:rPr>
               <a:t>All along with Scalability, high-quality services, Platform Independence and increased productivity.</a:t>
@@ -6599,13 +6401,7 @@
               <a:rPr lang="en-US" dirty="0">
                 <a:effectLst/>
               </a:rPr>
-              <a:t>The disadvantages of a SOA </a:t>
-            </a:r>
-            <a:r>
-              <a:rPr lang="en-US" dirty="0" smtClean="0">
-                <a:effectLst/>
-              </a:rPr>
-              <a:t>architecture.</a:t>
+              <a:t>The disadvantages of a SOA architecture.</a:t>
             </a:r>
             <a:endParaRPr lang="en-US" dirty="0"/>
           </a:p>
@@ -6637,13 +6433,7 @@
               <a:rPr lang="en-US" sz="2200" b="1" dirty="0">
                 <a:effectLst/>
               </a:rPr>
-              <a:t>Every time a service interacts with another service, complete validation of every input parameter takes place. This increases the response time and machine load, and thereby reduces the overall </a:t>
-            </a:r>
-            <a:r>
-              <a:rPr lang="en-US" sz="2200" b="1" dirty="0" smtClean="0">
-                <a:effectLst/>
-              </a:rPr>
-              <a:t>performance</a:t>
+              <a:t>Every time a service interacts with another service, complete validation of every input parameter takes place. This increases the response time and machine load, and thereby reduces the overall performance</a:t>
             </a:r>
           </a:p>
           <a:p>
@@ -6651,13 +6441,7 @@
               <a:rPr lang="en-US" sz="2200" b="1" dirty="0">
                 <a:effectLst/>
               </a:rPr>
-              <a:t>The service needs to ensure that messages have been delivered in a timely manner. But as services keep exchanging messages to perform tasks, the number of these messages can go into millions even for a single application. This poses a big challenge to manage such a huge population of services</a:t>
-            </a:r>
-            <a:r>
-              <a:rPr lang="en-US" sz="2200" b="1" dirty="0" smtClean="0">
-                <a:effectLst/>
-              </a:rPr>
-              <a:t>.</a:t>
+              <a:t>The service needs to ensure that messages have been delivered in a timely manner. But as services keep exchanging messages to perform tasks, the number of these messages can go into millions even for a single application. This poses a big challenge to manage such a huge population of services.</a:t>
             </a:r>
           </a:p>
           <a:p>
@@ -6687,6 +6471,29 @@
 <file path=ppt/slides/slide7.xml><?xml version="1.0" encoding="utf-8"?>
 <p:sld xmlns:a="http://schemas.openxmlformats.org/drawingml/2006/main" xmlns:r="http://schemas.openxmlformats.org/officeDocument/2006/relationships" xmlns:p="http://schemas.openxmlformats.org/presentationml/2006/main">
   <p:cSld>
+    <p:bg>
+      <p:bgPr>
+        <a:blipFill rotWithShape="1">
+          <a:blip r:embed="rId2">
+            <a:duotone>
+              <a:schemeClr val="bg2">
+                <a:shade val="28000"/>
+                <a:satMod val="94000"/>
+                <a:lumMod val="20000"/>
+              </a:schemeClr>
+              <a:schemeClr val="bg2">
+                <a:tint val="94000"/>
+                <a:shade val="84000"/>
+                <a:satMod val="148000"/>
+                <a:lumMod val="114000"/>
+              </a:schemeClr>
+            </a:duotone>
+          </a:blip>
+          <a:stretch/>
+        </a:blipFill>
+        <a:effectLst/>
+      </p:bgPr>
+    </p:bg>
     <p:spTree>
       <p:nvGrpSpPr>
         <p:cNvPr id="1" name=""/>
@@ -6703,7 +6510,13 @@
       </p:grpSpPr>
       <p:sp>
         <p:nvSpPr>
-          <p:cNvPr id="2" name="Title 1"/>
+          <p:cNvPr id="2" name="Title 1">
+            <a:extLst>
+              <a:ext uri="{FF2B5EF4-FFF2-40B4-BE49-F238E27FC236}">
+                <a16:creationId xmlns:a16="http://schemas.microsoft.com/office/drawing/2014/main" id="{E108927A-F530-4710-882D-6820738AD1EC}"/>
+              </a:ext>
+            </a:extLst>
+          </p:cNvPr>
           <p:cNvSpPr>
             <a:spLocks noGrp="1"/>
           </p:cNvSpPr>
@@ -6711,31 +6524,34 @@
             <p:ph type="title"/>
           </p:nvPr>
         </p:nvSpPr>
-        <p:spPr/>
+        <p:spPr>
+          <a:xfrm>
+            <a:off x="643192" y="609600"/>
+            <a:ext cx="3643674" cy="1905000"/>
+          </a:xfrm>
+        </p:spPr>
         <p:txBody>
           <a:bodyPr>
-            <a:normAutofit fontScale="90000"/>
+            <a:normAutofit/>
           </a:bodyPr>
           <a:lstStyle/>
           <a:p>
             <a:r>
-              <a:rPr lang="en-US" dirty="0">
-                <a:effectLst/>
-              </a:rPr>
-              <a:t>How software in a SOA architecture is deployed and managed in a production environment.</a:t>
-            </a:r>
-            <a:br>
-              <a:rPr lang="en-US" dirty="0">
-                <a:effectLst/>
-              </a:rPr>
-            </a:br>
-            <a:endParaRPr lang="en-US" dirty="0"/>
-          </a:p>
-        </p:txBody>
-      </p:sp>
-      <p:sp>
-        <p:nvSpPr>
-          <p:cNvPr id="3" name="Content Placeholder 2"/>
+              <a:rPr lang="en-US" sz="2800"/>
+              <a:t>How is Data transmitted in an Soa?</a:t>
+            </a:r>
+          </a:p>
+        </p:txBody>
+      </p:sp>
+      <p:sp>
+        <p:nvSpPr>
+          <p:cNvPr id="3" name="Content Placeholder 2">
+            <a:extLst>
+              <a:ext uri="{FF2B5EF4-FFF2-40B4-BE49-F238E27FC236}">
+                <a16:creationId xmlns:a16="http://schemas.microsoft.com/office/drawing/2014/main" id="{6A61C81F-48EA-4156-A153-90FDF5A28E48}"/>
+              </a:ext>
+            </a:extLst>
+          </p:cNvPr>
           <p:cNvSpPr>
             <a:spLocks noGrp="1"/>
           </p:cNvSpPr>
@@ -6743,23 +6559,109 @@
             <p:ph idx="1"/>
           </p:nvPr>
         </p:nvSpPr>
-        <p:spPr/>
-        <p:txBody>
-          <a:bodyPr/>
-          <a:lstStyle/>
-          <a:p>
-            <a:r>
-              <a:rPr lang="en-US" dirty="0" smtClean="0"/>
-              <a:t>An SOA is deployed and managed via a cloud based service such as Oracle</a:t>
-            </a:r>
-            <a:endParaRPr lang="en-US" dirty="0"/>
-          </a:p>
-        </p:txBody>
-      </p:sp>
+        <p:spPr>
+          <a:xfrm>
+            <a:off x="643192" y="2666999"/>
+            <a:ext cx="3643674" cy="3216276"/>
+          </a:xfrm>
+        </p:spPr>
+        <p:txBody>
+          <a:bodyPr anchor="t">
+            <a:normAutofit/>
+          </a:bodyPr>
+          <a:lstStyle/>
+          <a:p>
+            <a:r>
+              <a:rPr lang="en-US" sz="1800"/>
+              <a:t>Service customer is an application or service that is reliant on other service.</a:t>
+            </a:r>
+          </a:p>
+          <a:p>
+            <a:r>
+              <a:rPr lang="en-US" sz="1800"/>
+              <a:t>Service providers is something that handles any requests from the consumers</a:t>
+            </a:r>
+          </a:p>
+          <a:p>
+            <a:endParaRPr lang="en-US" sz="1800"/>
+          </a:p>
+        </p:txBody>
+      </p:sp>
+      <p:pic>
+        <p:nvPicPr>
+          <p:cNvPr id="1026" name="Picture 2" descr="Image result for SOA">
+            <a:extLst>
+              <a:ext uri="{FF2B5EF4-FFF2-40B4-BE49-F238E27FC236}">
+                <a16:creationId xmlns:a16="http://schemas.microsoft.com/office/drawing/2014/main" id="{7E73D552-E78D-41E3-9458-3F3736FE6836}"/>
+              </a:ext>
+            </a:extLst>
+          </p:cNvPr>
+          <p:cNvPicPr>
+            <a:picLocks noChangeAspect="1" noChangeArrowheads="1"/>
+          </p:cNvPicPr>
+          <p:nvPr/>
+        </p:nvPicPr>
+        <p:blipFill>
+          <a:blip r:embed="rId3">
+            <a:extLst>
+              <a:ext uri="{28A0092B-C50C-407E-A947-70E740481C1C}">
+                <a14:useLocalDpi xmlns:a14="http://schemas.microsoft.com/office/drawing/2010/main" val="0"/>
+              </a:ext>
+            </a:extLst>
+          </a:blip>
+          <a:stretch>
+            <a:fillRect/>
+          </a:stretch>
+        </p:blipFill>
+        <p:spPr bwMode="auto">
+          <a:xfrm>
+            <a:off x="4630994" y="1143132"/>
+            <a:ext cx="6916633" cy="4251694"/>
+          </a:xfrm>
+          <a:prstGeom prst="roundRect">
+            <a:avLst>
+              <a:gd name="adj" fmla="val 3517"/>
+            </a:avLst>
+          </a:prstGeom>
+          <a:noFill/>
+          <a:ln w="38100">
+            <a:gradFill flip="none" rotWithShape="1">
+              <a:gsLst>
+                <a:gs pos="0">
+                  <a:srgbClr val="363D46"/>
+                </a:gs>
+                <a:gs pos="100000">
+                  <a:srgbClr val="363D46">
+                    <a:lumMod val="75000"/>
+                  </a:srgbClr>
+                </a:gs>
+              </a:gsLst>
+              <a:lin ang="5400000" scaled="0"/>
+              <a:tileRect/>
+            </a:gradFill>
+          </a:ln>
+          <a:effectLst>
+            <a:innerShdw blurRad="57150" dist="38100" dir="14460000">
+              <a:srgbClr val="000000">
+                <a:alpha val="70000"/>
+              </a:srgbClr>
+            </a:innerShdw>
+          </a:effectLst>
+          <a:extLst>
+            <a:ext uri="{909E8E84-426E-40DD-AFC4-6F175D3DCCD1}">
+              <a14:hiddenFill xmlns:a14="http://schemas.microsoft.com/office/drawing/2010/main">
+                <a:solidFill>
+                  <a:srgbClr val="FFFFFF"/>
+                </a:solidFill>
+              </a14:hiddenFill>
+            </a:ext>
+          </a:extLst>
+        </p:spPr>
+      </p:pic>
     </p:spTree>
     <p:extLst>
       <p:ext uri="{BB962C8B-B14F-4D97-AF65-F5344CB8AC3E}">
-        <p14:creationId xmlns:p14="http://schemas.microsoft.com/office/powerpoint/2010/main" val="155709147"/>
+        <p14:creationId xmlns:p14="http://schemas.microsoft.com/office/powerpoint/2010/main" val="2042678126"/>
       </p:ext>
     </p:extLst>
   </p:cSld>
@@ -6939,10 +6841,9 @@
           <a:lstStyle/>
           <a:p>
             <a:r>
-              <a:rPr lang="en-US" dirty="0" smtClean="0"/>
+              <a:rPr lang="en-US" dirty="0"/>
               <a:t>Questions?</a:t>
             </a:r>
-            <a:endParaRPr lang="en-US" dirty="0"/>
           </a:p>
         </p:txBody>
       </p:sp>
@@ -6962,37 +6863,31 @@
           <a:lstStyle/>
           <a:p>
             <a:r>
-              <a:rPr lang="en-US" dirty="0" smtClean="0"/>
+              <a:rPr lang="en-US" dirty="0"/>
               <a:t>Thank you for joining and feel free to contact me.</a:t>
             </a:r>
           </a:p>
           <a:p>
             <a:r>
-              <a:rPr lang="en-US" dirty="0" smtClean="0">
+              <a:rPr lang="en-US" dirty="0">
                 <a:hlinkClick r:id="rId2"/>
               </a:rPr>
               <a:t>William@williamthomason.info</a:t>
             </a:r>
-            <a:endParaRPr lang="en-US" dirty="0" smtClean="0"/>
+            <a:endParaRPr lang="en-US" dirty="0"/>
           </a:p>
           <a:p>
             <a:r>
               <a:rPr lang="en-US" dirty="0">
                 <a:hlinkClick r:id="rId3"/>
               </a:rPr>
-              <a:t>https://</a:t>
-            </a:r>
-            <a:r>
-              <a:rPr lang="en-US" dirty="0" smtClean="0">
-                <a:hlinkClick r:id="rId3"/>
-              </a:rPr>
-              <a:t>github.com/wthomason</a:t>
-            </a:r>
-            <a:endParaRPr lang="en-US" dirty="0" smtClean="0"/>
-          </a:p>
-          <a:p>
-            <a:r>
-              <a:rPr lang="en-US" smtClean="0"/>
+              <a:t>https://github.com/wthomason</a:t>
+            </a:r>
+            <a:endParaRPr lang="en-US" dirty="0"/>
+          </a:p>
+          <a:p>
+            <a:r>
+              <a:rPr lang="en-US"/>
               <a:t>Twitter: @wtthomason86 </a:t>
             </a:r>
             <a:endParaRPr lang="en-US" dirty="0"/>
